--- a/Dota statistics.pptx
+++ b/Dota statistics.pptx
@@ -8,9 +8,10 @@
     <p:sldId id="256" r:id="rId2"/>
     <p:sldId id="258" r:id="rId3"/>
     <p:sldId id="257" r:id="rId4"/>
-    <p:sldId id="259" r:id="rId5"/>
-    <p:sldId id="260" r:id="rId6"/>
-    <p:sldId id="261" r:id="rId7"/>
+    <p:sldId id="265" r:id="rId5"/>
+    <p:sldId id="262" r:id="rId6"/>
+    <p:sldId id="263" r:id="rId7"/>
+    <p:sldId id="264" r:id="rId8"/>
   </p:sldIdLst>
   <p:sldSz cx="12192000" cy="6858000"/>
   <p:notesSz cx="6858000" cy="9144000"/>
@@ -109,6 +110,11 @@
       </a:defRPr>
     </a:lvl9pPr>
   </p:defaultTextStyle>
+  <p:extLst>
+    <p:ext uri="{EFAFB233-063F-42B5-8137-9DF3F51BA10A}">
+      <p15:sldGuideLst xmlns:p15="http://schemas.microsoft.com/office/powerpoint/2012/main"/>
+    </p:ext>
+  </p:extLst>
 </p:presentation>
 </file>
 
@@ -4094,12 +4100,76 @@
           <a:chExt cx="0" cy="0"/>
         </a:xfrm>
       </p:grpSpPr>
+      <p:sp>
+        <p:nvSpPr>
+          <p:cNvPr id="2" name="Заголовок 1">
+            <a:extLst>
+              <a:ext uri="{FF2B5EF4-FFF2-40B4-BE49-F238E27FC236}">
+                <a16:creationId xmlns:a16="http://schemas.microsoft.com/office/drawing/2014/main" id="{67962D0B-7D67-195C-5C26-70BD64D381A2}"/>
+              </a:ext>
+            </a:extLst>
+          </p:cNvPr>
+          <p:cNvSpPr>
+            <a:spLocks noGrp="1"/>
+          </p:cNvSpPr>
+          <p:nvPr>
+            <p:ph type="title"/>
+          </p:nvPr>
+        </p:nvSpPr>
+        <p:spPr/>
+        <p:txBody>
+          <a:bodyPr/>
+          <a:lstStyle/>
+          <a:p>
+            <a:r>
+              <a:rPr lang="ru-RU" dirty="0"/>
+              <a:t>Примечание</a:t>
+            </a:r>
+          </a:p>
+        </p:txBody>
+      </p:sp>
+      <p:sp>
+        <p:nvSpPr>
+          <p:cNvPr id="3" name="Объект 2">
+            <a:extLst>
+              <a:ext uri="{FF2B5EF4-FFF2-40B4-BE49-F238E27FC236}">
+                <a16:creationId xmlns:a16="http://schemas.microsoft.com/office/drawing/2014/main" id="{D9C9CBBE-B284-B764-0B59-F9DF96E14713}"/>
+              </a:ext>
+            </a:extLst>
+          </p:cNvPr>
+          <p:cNvSpPr>
+            <a:spLocks noGrp="1"/>
+          </p:cNvSpPr>
+          <p:nvPr>
+            <p:ph idx="1"/>
+          </p:nvPr>
+        </p:nvSpPr>
+        <p:spPr/>
+        <p:txBody>
+          <a:bodyPr/>
+          <a:lstStyle/>
+          <a:p>
+            <a:r>
+              <a:rPr lang="ru-RU" dirty="0"/>
+              <a:t>Статистика об игроке отображается только если в настройках доты включена эта настройка (особенность </a:t>
+            </a:r>
+            <a:r>
+              <a:rPr lang="en-US" dirty="0" err="1"/>
+              <a:t>api</a:t>
+            </a:r>
+            <a:r>
+              <a:rPr lang="en-US" dirty="0"/>
+              <a:t>)</a:t>
+            </a:r>
+          </a:p>
+        </p:txBody>
+      </p:sp>
       <p:pic>
         <p:nvPicPr>
-          <p:cNvPr id="5" name="Рисунок 4">
+          <p:cNvPr id="7" name="Рисунок 6">
             <a:extLst>
               <a:ext uri="{FF2B5EF4-FFF2-40B4-BE49-F238E27FC236}">
-                <a16:creationId xmlns:a16="http://schemas.microsoft.com/office/drawing/2014/main" id="{FC1299C6-897F-5A4E-983E-4C2C10360C8F}"/>
+                <a16:creationId xmlns:a16="http://schemas.microsoft.com/office/drawing/2014/main" id="{854978FD-1E37-8A82-36C5-CF6A4A1065ED}"/>
               </a:ext>
             </a:extLst>
           </p:cNvPr>
@@ -4109,121 +4179,31 @@
           <p:nvPr/>
         </p:nvPicPr>
         <p:blipFill>
-          <a:blip r:embed="rId2"/>
+          <a:blip r:embed="rId2">
+            <a:extLst>
+              <a:ext uri="{28A0092B-C50C-407E-A947-70E740481C1C}">
+                <a14:useLocalDpi xmlns:a14="http://schemas.microsoft.com/office/drawing/2010/main" val="0"/>
+              </a:ext>
+            </a:extLst>
+          </a:blip>
           <a:stretch>
             <a:fillRect/>
           </a:stretch>
         </p:blipFill>
         <p:spPr>
           <a:xfrm>
-            <a:off x="2749461" y="1737360"/>
-            <a:ext cx="5410989" cy="4202474"/>
+            <a:off x="2403755" y="2743201"/>
+            <a:ext cx="8690965" cy="2170682"/>
           </a:xfrm>
           <a:prstGeom prst="rect">
             <a:avLst/>
           </a:prstGeom>
         </p:spPr>
       </p:pic>
-      <p:sp>
-        <p:nvSpPr>
-          <p:cNvPr id="2" name="Заголовок 1">
-            <a:extLst>
-              <a:ext uri="{FF2B5EF4-FFF2-40B4-BE49-F238E27FC236}">
-                <a16:creationId xmlns:a16="http://schemas.microsoft.com/office/drawing/2014/main" id="{7ED02729-7A14-4765-C2B7-7EB3DA2204E2}"/>
-              </a:ext>
-            </a:extLst>
-          </p:cNvPr>
-          <p:cNvSpPr>
-            <a:spLocks noGrp="1"/>
-          </p:cNvSpPr>
-          <p:nvPr>
-            <p:ph type="title"/>
-          </p:nvPr>
-        </p:nvSpPr>
-        <p:spPr/>
-        <p:txBody>
-          <a:bodyPr/>
-          <a:lstStyle/>
-          <a:p>
-            <a:r>
-              <a:rPr lang="ru-RU" dirty="0"/>
-              <a:t>Основная вкладка</a:t>
-            </a:r>
-          </a:p>
-        </p:txBody>
-      </p:sp>
-      <p:sp>
-        <p:nvSpPr>
-          <p:cNvPr id="3" name="Объект 2">
-            <a:extLst>
-              <a:ext uri="{FF2B5EF4-FFF2-40B4-BE49-F238E27FC236}">
-                <a16:creationId xmlns:a16="http://schemas.microsoft.com/office/drawing/2014/main" id="{E255DB7C-54EB-01B7-1C09-6D3F13B2800D}"/>
-              </a:ext>
-            </a:extLst>
-          </p:cNvPr>
-          <p:cNvSpPr>
-            <a:spLocks noGrp="1"/>
-          </p:cNvSpPr>
-          <p:nvPr>
-            <p:ph idx="1"/>
-          </p:nvPr>
-        </p:nvSpPr>
-        <p:spPr>
-          <a:xfrm>
-            <a:off x="81420" y="1822536"/>
-            <a:ext cx="10058400" cy="4117297"/>
-          </a:xfrm>
-        </p:spPr>
-        <p:txBody>
-          <a:bodyPr>
-            <a:normAutofit/>
-          </a:bodyPr>
-          <a:lstStyle/>
-          <a:p>
-            <a:pPr marL="0" indent="0">
-              <a:buNone/>
-            </a:pPr>
-            <a:r>
-              <a:rPr lang="en-US" sz="1800" dirty="0"/>
-              <a:t>	</a:t>
-            </a:r>
-            <a:r>
-              <a:rPr lang="ru-RU" sz="1800" dirty="0"/>
-              <a:t>								</a:t>
-            </a:r>
-            <a:r>
-              <a:rPr lang="en-US" sz="1800" dirty="0"/>
-              <a:t>&lt;-</a:t>
-            </a:r>
-            <a:r>
-              <a:rPr lang="ru-RU" sz="1800" dirty="0"/>
-              <a:t>настройки</a:t>
-            </a:r>
-            <a:endParaRPr lang="en-US" sz="1800" dirty="0"/>
-          </a:p>
-          <a:p>
-            <a:pPr marL="0" indent="0">
-              <a:buNone/>
-            </a:pPr>
-            <a:br>
-              <a:rPr lang="en-US" sz="1800" dirty="0"/>
-            </a:br>
-            <a:r>
-              <a:rPr lang="ru-RU" sz="1800" dirty="0"/>
-              <a:t>Обновление статистики-</a:t>
-            </a:r>
-            <a:r>
-              <a:rPr lang="en-US" sz="1800" dirty="0"/>
-              <a:t>&gt;</a:t>
-            </a:r>
-            <a:endParaRPr lang="ru-RU" sz="1800" dirty="0"/>
-          </a:p>
-        </p:txBody>
-      </p:sp>
     </p:spTree>
     <p:extLst>
       <p:ext uri="{BB962C8B-B14F-4D97-AF65-F5344CB8AC3E}">
-        <p14:creationId xmlns:p14="http://schemas.microsoft.com/office/powerpoint/2010/main" val="1420985795"/>
+        <p14:creationId xmlns:p14="http://schemas.microsoft.com/office/powerpoint/2010/main" val="2744766522"/>
       </p:ext>
     </p:extLst>
   </p:cSld>
@@ -4255,7 +4235,7 @@
           <p:cNvPr id="2" name="Заголовок 1">
             <a:extLst>
               <a:ext uri="{FF2B5EF4-FFF2-40B4-BE49-F238E27FC236}">
-                <a16:creationId xmlns:a16="http://schemas.microsoft.com/office/drawing/2014/main" id="{7ED02729-7A14-4765-C2B7-7EB3DA2204E2}"/>
+                <a16:creationId xmlns:a16="http://schemas.microsoft.com/office/drawing/2014/main" id="{EE7B9D78-BD6D-7530-826C-58EA54848094}"/>
               </a:ext>
             </a:extLst>
           </p:cNvPr>
@@ -4273,13 +4253,8 @@
           <a:p>
             <a:r>
               <a:rPr lang="ru-RU" dirty="0"/>
-              <a:t>Вкладка поиска игрока по </a:t>
-            </a:r>
-            <a:r>
-              <a:rPr lang="en-US" dirty="0"/>
-              <a:t>id</a:t>
-            </a:r>
-            <a:endParaRPr lang="ru-RU" dirty="0"/>
+              <a:t>Основная вкладка</a:t>
+            </a:r>
           </a:p>
         </p:txBody>
       </p:sp>
@@ -4288,7 +4263,7 @@
           <p:cNvPr id="3" name="Объект 2">
             <a:extLst>
               <a:ext uri="{FF2B5EF4-FFF2-40B4-BE49-F238E27FC236}">
-                <a16:creationId xmlns:a16="http://schemas.microsoft.com/office/drawing/2014/main" id="{E255DB7C-54EB-01B7-1C09-6D3F13B2800D}"/>
+                <a16:creationId xmlns:a16="http://schemas.microsoft.com/office/drawing/2014/main" id="{9A045BEA-26D3-FC7B-2330-7141B30E043B}"/>
               </a:ext>
             </a:extLst>
           </p:cNvPr>
@@ -4299,90 +4274,85 @@
             <p:ph idx="1"/>
           </p:nvPr>
         </p:nvSpPr>
-        <p:spPr>
-          <a:xfrm>
-            <a:off x="81420" y="1822536"/>
-            <a:ext cx="10058400" cy="4117297"/>
-          </a:xfrm>
-        </p:spPr>
-        <p:txBody>
-          <a:bodyPr>
-            <a:normAutofit/>
-          </a:bodyPr>
-          <a:lstStyle/>
-          <a:p>
-            <a:pPr marL="0" indent="0">
-              <a:buNone/>
+        <p:spPr/>
+        <p:txBody>
+          <a:bodyPr/>
+          <a:lstStyle/>
+          <a:p>
+            <a:pPr marL="457200" indent="-457200">
+              <a:buFont typeface="+mj-lt"/>
+              <a:buAutoNum type="arabicPeriod"/>
             </a:pPr>
             <a:r>
-              <a:rPr lang="en-US" sz="1800" dirty="0"/>
-              <a:t>	</a:t>
-            </a:r>
-            <a:r>
-              <a:rPr lang="ru-RU" sz="1800" dirty="0"/>
-              <a:t>								</a:t>
-            </a:r>
-            <a:r>
-              <a:rPr lang="en-US" sz="1800" dirty="0"/>
-              <a:t>&lt;-</a:t>
-            </a:r>
-            <a:r>
-              <a:rPr lang="ru-RU" sz="1800" dirty="0"/>
-              <a:t>настройки</a:t>
-            </a:r>
-            <a:endParaRPr lang="en-US" sz="1800" dirty="0"/>
-          </a:p>
-          <a:p>
-            <a:pPr marL="0" indent="0">
-              <a:buNone/>
+              <a:rPr lang="ru-RU" dirty="0"/>
+              <a:t>Статистика владельца</a:t>
+            </a:r>
+          </a:p>
+          <a:p>
+            <a:pPr marL="457200" indent="-457200">
+              <a:buFont typeface="+mj-lt"/>
+              <a:buAutoNum type="arabicPeriod"/>
             </a:pPr>
+            <a:r>
+              <a:rPr lang="ru-RU" dirty="0"/>
+              <a:t>Наиболее частые герои</a:t>
+            </a:r>
+          </a:p>
+          <a:p>
+            <a:pPr marL="457200" indent="-457200">
+              <a:buFont typeface="+mj-lt"/>
+              <a:buAutoNum type="arabicPeriod"/>
+            </a:pPr>
+            <a:r>
+              <a:rPr lang="ru-RU" dirty="0"/>
+              <a:t>С кем играет больше всего</a:t>
+            </a:r>
+          </a:p>
+          <a:p>
+            <a:pPr marL="457200" indent="-457200">
+              <a:buFont typeface="+mj-lt"/>
+              <a:buAutoNum type="arabicPeriod"/>
+            </a:pPr>
+            <a:r>
+              <a:rPr lang="ru-RU" dirty="0"/>
+              <a:t>Последние матчи</a:t>
+            </a:r>
+          </a:p>
+          <a:p>
+            <a:pPr marL="457200" indent="-457200">
+              <a:buFont typeface="+mj-lt"/>
+              <a:buAutoNum type="arabicPeriod"/>
+            </a:pPr>
+            <a:r>
+              <a:rPr lang="ru-RU" dirty="0"/>
+              <a:t>Настройки</a:t>
+            </a:r>
+          </a:p>
+          <a:p>
+            <a:pPr marL="457200" indent="-457200">
+              <a:buFont typeface="+mj-lt"/>
+              <a:buAutoNum type="arabicPeriod"/>
+            </a:pPr>
+            <a:r>
+              <a:rPr lang="ru-RU" dirty="0"/>
+              <a:t>Обновление статистики (автоматически </a:t>
+            </a:r>
             <a:br>
-              <a:rPr lang="en-US" sz="1800" dirty="0"/>
+              <a:rPr lang="ru-RU" dirty="0"/>
             </a:br>
             <a:r>
-              <a:rPr lang="en-US" sz="1800" dirty="0"/>
-              <a:t>          </a:t>
-            </a:r>
-            <a:r>
-              <a:rPr lang="ru-RU" sz="1800" dirty="0"/>
-              <a:t>поиск игрока по </a:t>
-            </a:r>
-            <a:r>
-              <a:rPr lang="en-US" sz="1800" dirty="0"/>
-              <a:t>id</a:t>
-            </a:r>
-            <a:r>
-              <a:rPr lang="ru-RU" sz="1800" dirty="0"/>
-              <a:t>-</a:t>
-            </a:r>
-            <a:r>
-              <a:rPr lang="en-US" sz="1800" dirty="0"/>
-              <a:t>&gt;</a:t>
-            </a:r>
-            <a:br>
-              <a:rPr lang="en-US" sz="1800" dirty="0"/>
-            </a:br>
-            <a:br>
-              <a:rPr lang="en-US" sz="1800" dirty="0"/>
-            </a:br>
-            <a:r>
-              <a:rPr lang="ru-RU" sz="1800" dirty="0"/>
-              <a:t>Обновление статистики-</a:t>
-            </a:r>
-            <a:r>
-              <a:rPr lang="en-US" sz="1800" dirty="0"/>
-              <a:t>&gt;</a:t>
-            </a:r>
-            <a:endParaRPr lang="ru-RU" sz="1800" dirty="0"/>
+              <a:rPr lang="ru-RU" dirty="0"/>
+              <a:t>срабатывает при запуске)</a:t>
+            </a:r>
           </a:p>
         </p:txBody>
       </p:sp>
       <p:pic>
         <p:nvPicPr>
-          <p:cNvPr id="6" name="Рисунок 5">
+          <p:cNvPr id="4" name="Рисунок 3">
             <a:extLst>
               <a:ext uri="{FF2B5EF4-FFF2-40B4-BE49-F238E27FC236}">
-                <a16:creationId xmlns:a16="http://schemas.microsoft.com/office/drawing/2014/main" id="{C1995A6B-C3FA-71D4-601A-6156722F9C2E}"/>
+                <a16:creationId xmlns:a16="http://schemas.microsoft.com/office/drawing/2014/main" id="{F04A3C82-6AAB-4E12-3995-9B84D565C302}"/>
               </a:ext>
             </a:extLst>
           </p:cNvPr>
@@ -4392,15 +4362,21 @@
           <p:nvPr/>
         </p:nvPicPr>
         <p:blipFill>
-          <a:blip r:embed="rId2"/>
+          <a:blip r:embed="rId2">
+            <a:extLst>
+              <a:ext uri="{28A0092B-C50C-407E-A947-70E740481C1C}">
+                <a14:useLocalDpi xmlns:a14="http://schemas.microsoft.com/office/drawing/2010/main" val="0"/>
+              </a:ext>
+            </a:extLst>
+          </a:blip>
           <a:stretch>
             <a:fillRect/>
           </a:stretch>
         </p:blipFill>
         <p:spPr>
           <a:xfrm>
-            <a:off x="2755726" y="1721929"/>
-            <a:ext cx="5392891" cy="4217904"/>
+            <a:off x="6701424" y="1793113"/>
+            <a:ext cx="5261017" cy="4128601"/>
           </a:xfrm>
           <a:prstGeom prst="rect">
             <a:avLst/>
@@ -4410,7 +4386,7 @@
     </p:spTree>
     <p:extLst>
       <p:ext uri="{BB962C8B-B14F-4D97-AF65-F5344CB8AC3E}">
-        <p14:creationId xmlns:p14="http://schemas.microsoft.com/office/powerpoint/2010/main" val="2103190003"/>
+        <p14:creationId xmlns:p14="http://schemas.microsoft.com/office/powerpoint/2010/main" val="1635351936"/>
       </p:ext>
     </p:extLst>
   </p:cSld>
@@ -4442,7 +4418,7 @@
           <p:cNvPr id="2" name="Заголовок 1">
             <a:extLst>
               <a:ext uri="{FF2B5EF4-FFF2-40B4-BE49-F238E27FC236}">
-                <a16:creationId xmlns:a16="http://schemas.microsoft.com/office/drawing/2014/main" id="{7ED02729-7A14-4765-C2B7-7EB3DA2204E2}"/>
+                <a16:creationId xmlns:a16="http://schemas.microsoft.com/office/drawing/2014/main" id="{EE7B9D78-BD6D-7530-826C-58EA54848094}"/>
               </a:ext>
             </a:extLst>
           </p:cNvPr>
@@ -4460,7 +4436,7 @@
           <a:p>
             <a:r>
               <a:rPr lang="ru-RU" dirty="0"/>
-              <a:t>Настройки</a:t>
+              <a:t>Вторая вкладка</a:t>
             </a:r>
           </a:p>
         </p:txBody>
@@ -4470,7 +4446,7 @@
           <p:cNvPr id="3" name="Объект 2">
             <a:extLst>
               <a:ext uri="{FF2B5EF4-FFF2-40B4-BE49-F238E27FC236}">
-                <a16:creationId xmlns:a16="http://schemas.microsoft.com/office/drawing/2014/main" id="{E255DB7C-54EB-01B7-1C09-6D3F13B2800D}"/>
+                <a16:creationId xmlns:a16="http://schemas.microsoft.com/office/drawing/2014/main" id="{9A045BEA-26D3-FC7B-2330-7141B30E043B}"/>
               </a:ext>
             </a:extLst>
           </p:cNvPr>
@@ -4481,90 +4457,107 @@
             <p:ph idx="1"/>
           </p:nvPr>
         </p:nvSpPr>
-        <p:spPr>
-          <a:xfrm>
-            <a:off x="81420" y="1822536"/>
-            <a:ext cx="10058400" cy="4117297"/>
-          </a:xfrm>
-        </p:spPr>
-        <p:txBody>
-          <a:bodyPr>
-            <a:normAutofit/>
-          </a:bodyPr>
-          <a:lstStyle/>
-          <a:p>
-            <a:pPr marL="0" indent="0">
-              <a:buNone/>
+        <p:spPr/>
+        <p:txBody>
+          <a:bodyPr/>
+          <a:lstStyle/>
+          <a:p>
+            <a:pPr marL="457200" indent="-457200">
+              <a:buFont typeface="+mj-lt"/>
+              <a:buAutoNum type="arabicPeriod"/>
             </a:pPr>
             <a:r>
-              <a:rPr lang="en-US" sz="1800" dirty="0"/>
-              <a:t>	</a:t>
-            </a:r>
-            <a:endParaRPr lang="ru-RU" sz="1800" dirty="0"/>
-          </a:p>
-          <a:p>
-            <a:pPr marL="0" indent="0">
-              <a:buNone/>
+              <a:rPr lang="ru-RU" dirty="0"/>
+              <a:t>Статистика игрока (по умолчанию</a:t>
+            </a:r>
+            <a:br>
+              <a:rPr lang="ru-RU" dirty="0"/>
+            </a:br>
+            <a:r>
+              <a:rPr lang="ru-RU" dirty="0"/>
+              <a:t>о последнем кого искали)</a:t>
+            </a:r>
+          </a:p>
+          <a:p>
+            <a:pPr marL="457200" indent="-457200">
+              <a:buFont typeface="+mj-lt"/>
+              <a:buAutoNum type="arabicPeriod"/>
             </a:pPr>
             <a:r>
-              <a:rPr lang="ru-RU" sz="1800" dirty="0"/>
-              <a:t>								</a:t>
+              <a:rPr lang="ru-RU" dirty="0"/>
+              <a:t>Наиболее частые герои</a:t>
+            </a:r>
+          </a:p>
+          <a:p>
+            <a:pPr marL="457200" indent="-457200">
+              <a:buFont typeface="+mj-lt"/>
+              <a:buAutoNum type="arabicPeriod"/>
+            </a:pPr>
+            <a:r>
+              <a:rPr lang="ru-RU" dirty="0"/>
+              <a:t>С кем играет больше всего</a:t>
+            </a:r>
+          </a:p>
+          <a:p>
+            <a:pPr marL="457200" indent="-457200">
+              <a:buFont typeface="+mj-lt"/>
+              <a:buAutoNum type="arabicPeriod"/>
+            </a:pPr>
+            <a:r>
+              <a:rPr lang="ru-RU" dirty="0"/>
+              <a:t>Последние матчи</a:t>
+            </a:r>
+          </a:p>
+          <a:p>
+            <a:pPr marL="457200" indent="-457200">
+              <a:buFont typeface="+mj-lt"/>
+              <a:buAutoNum type="arabicPeriod"/>
+            </a:pPr>
+            <a:r>
+              <a:rPr lang="ru-RU" dirty="0"/>
+              <a:t>Настройки</a:t>
+            </a:r>
+          </a:p>
+          <a:p>
+            <a:pPr marL="457200" indent="-457200">
+              <a:buFont typeface="+mj-lt"/>
+              <a:buAutoNum type="arabicPeriod"/>
+            </a:pPr>
+            <a:r>
+              <a:rPr lang="ru-RU" dirty="0"/>
+              <a:t>Обновление статистики (не срабатывает</a:t>
             </a:r>
             <a:br>
-              <a:rPr lang="en-US" sz="1800" dirty="0"/>
+              <a:rPr lang="ru-RU" dirty="0"/>
             </a:br>
             <a:r>
-              <a:rPr lang="en-US" sz="1800" dirty="0"/>
-              <a:t>          </a:t>
-            </a:r>
-            <a:r>
-              <a:rPr lang="ru-RU" sz="1800" dirty="0"/>
-              <a:t>поиск игрока по </a:t>
-            </a:r>
-            <a:r>
-              <a:rPr lang="en-US" sz="1800" dirty="0"/>
+              <a:rPr lang="ru-RU" dirty="0"/>
+              <a:t>при запуске)</a:t>
+            </a:r>
+          </a:p>
+          <a:p>
+            <a:pPr marL="457200" indent="-457200">
+              <a:buFont typeface="+mj-lt"/>
+              <a:buAutoNum type="arabicPeriod"/>
+            </a:pPr>
+            <a:r>
+              <a:rPr lang="ru-RU" dirty="0"/>
+              <a:t>Поиск игрока по </a:t>
+            </a:r>
+            <a:r>
+              <a:rPr lang="en-US" dirty="0"/>
               <a:t>id</a:t>
             </a:r>
-            <a:r>
-              <a:rPr lang="ru-RU" sz="1800" dirty="0"/>
-              <a:t>-</a:t>
-            </a:r>
-            <a:r>
-              <a:rPr lang="en-US" sz="1800" dirty="0"/>
-              <a:t>&gt;</a:t>
-            </a:r>
-            <a:br>
-              <a:rPr lang="en-US" sz="1800" dirty="0"/>
-            </a:br>
-            <a:r>
-              <a:rPr lang="ru-RU" sz="1800" dirty="0"/>
-              <a:t>          </a:t>
-            </a:r>
-            <a:r>
-              <a:rPr lang="en-US" sz="1800" dirty="0"/>
-              <a:t> </a:t>
-            </a:r>
-            <a:r>
-              <a:rPr lang="ru-RU" sz="1800" dirty="0"/>
-              <a:t>тема приложения-</a:t>
-            </a:r>
-            <a:r>
-              <a:rPr lang="en-US" sz="1800" dirty="0"/>
-              <a:t>&gt;</a:t>
-            </a:r>
-            <a:br>
-              <a:rPr lang="en-US" sz="1800" dirty="0"/>
-            </a:br>
-            <a:endParaRPr lang="ru-RU" sz="1800" dirty="0"/>
+            <a:endParaRPr lang="ru-RU" dirty="0"/>
           </a:p>
         </p:txBody>
       </p:sp>
       <p:pic>
         <p:nvPicPr>
-          <p:cNvPr id="5" name="Рисунок 4">
+          <p:cNvPr id="6" name="Рисунок 5">
             <a:extLst>
               <a:ext uri="{FF2B5EF4-FFF2-40B4-BE49-F238E27FC236}">
-                <a16:creationId xmlns:a16="http://schemas.microsoft.com/office/drawing/2014/main" id="{21F0B0A3-5269-4ADC-2A5F-961AF911DC29}"/>
+                <a16:creationId xmlns:a16="http://schemas.microsoft.com/office/drawing/2014/main" id="{829FA4F1-0EA1-9F55-683D-D2196DF3F6C4}"/>
               </a:ext>
             </a:extLst>
           </p:cNvPr>
@@ -4574,15 +4567,21 @@
           <p:nvPr/>
         </p:nvPicPr>
         <p:blipFill>
-          <a:blip r:embed="rId2"/>
+          <a:blip r:embed="rId2">
+            <a:extLst>
+              <a:ext uri="{28A0092B-C50C-407E-A947-70E740481C1C}">
+                <a14:useLocalDpi xmlns:a14="http://schemas.microsoft.com/office/drawing/2010/main" val="0"/>
+              </a:ext>
+            </a:extLst>
+          </a:blip>
           <a:stretch>
             <a:fillRect/>
           </a:stretch>
         </p:blipFill>
         <p:spPr>
           <a:xfrm>
-            <a:off x="2642824" y="1752366"/>
-            <a:ext cx="1457528" cy="1676634"/>
+            <a:off x="6701809" y="1797485"/>
+            <a:ext cx="5444976" cy="4296427"/>
           </a:xfrm>
           <a:prstGeom prst="rect">
             <a:avLst/>
@@ -4592,7 +4591,151 @@
     </p:spTree>
     <p:extLst>
       <p:ext uri="{BB962C8B-B14F-4D97-AF65-F5344CB8AC3E}">
-        <p14:creationId xmlns:p14="http://schemas.microsoft.com/office/powerpoint/2010/main" val="4092146615"/>
+        <p14:creationId xmlns:p14="http://schemas.microsoft.com/office/powerpoint/2010/main" val="1083998646"/>
+      </p:ext>
+    </p:extLst>
+  </p:cSld>
+  <p:clrMapOvr>
+    <a:masterClrMapping/>
+  </p:clrMapOvr>
+</p:sld>
+</file>
+
+<file path=ppt/slides/slide7.xml><?xml version="1.0" encoding="utf-8"?>
+<p:sld xmlns:a="http://schemas.openxmlformats.org/drawingml/2006/main" xmlns:r="http://schemas.openxmlformats.org/officeDocument/2006/relationships" xmlns:p="http://schemas.openxmlformats.org/presentationml/2006/main">
+  <p:cSld>
+    <p:spTree>
+      <p:nvGrpSpPr>
+        <p:cNvPr id="1" name=""/>
+        <p:cNvGrpSpPr/>
+        <p:nvPr/>
+      </p:nvGrpSpPr>
+      <p:grpSpPr>
+        <a:xfrm>
+          <a:off x="0" y="0"/>
+          <a:ext cx="0" cy="0"/>
+          <a:chOff x="0" y="0"/>
+          <a:chExt cx="0" cy="0"/>
+        </a:xfrm>
+      </p:grpSpPr>
+      <p:sp>
+        <p:nvSpPr>
+          <p:cNvPr id="2" name="Заголовок 1">
+            <a:extLst>
+              <a:ext uri="{FF2B5EF4-FFF2-40B4-BE49-F238E27FC236}">
+                <a16:creationId xmlns:a16="http://schemas.microsoft.com/office/drawing/2014/main" id="{EE7B9D78-BD6D-7530-826C-58EA54848094}"/>
+              </a:ext>
+            </a:extLst>
+          </p:cNvPr>
+          <p:cNvSpPr>
+            <a:spLocks noGrp="1"/>
+          </p:cNvSpPr>
+          <p:nvPr>
+            <p:ph type="title"/>
+          </p:nvPr>
+        </p:nvSpPr>
+        <p:spPr/>
+        <p:txBody>
+          <a:bodyPr/>
+          <a:lstStyle/>
+          <a:p>
+            <a:r>
+              <a:rPr lang="ru-RU" dirty="0"/>
+              <a:t>Настройки</a:t>
+            </a:r>
+          </a:p>
+        </p:txBody>
+      </p:sp>
+      <p:sp>
+        <p:nvSpPr>
+          <p:cNvPr id="3" name="Объект 2">
+            <a:extLst>
+              <a:ext uri="{FF2B5EF4-FFF2-40B4-BE49-F238E27FC236}">
+                <a16:creationId xmlns:a16="http://schemas.microsoft.com/office/drawing/2014/main" id="{9A045BEA-26D3-FC7B-2330-7141B30E043B}"/>
+              </a:ext>
+            </a:extLst>
+          </p:cNvPr>
+          <p:cNvSpPr>
+            <a:spLocks noGrp="1"/>
+          </p:cNvSpPr>
+          <p:nvPr>
+            <p:ph idx="1"/>
+          </p:nvPr>
+        </p:nvSpPr>
+        <p:spPr/>
+        <p:txBody>
+          <a:bodyPr/>
+          <a:lstStyle/>
+          <a:p>
+            <a:pPr marL="457200" indent="-457200">
+              <a:buFont typeface="+mj-lt"/>
+              <a:buAutoNum type="arabicPeriod"/>
+            </a:pPr>
+            <a:r>
+              <a:rPr lang="ru-RU" dirty="0"/>
+              <a:t>Изменение </a:t>
+            </a:r>
+            <a:r>
+              <a:rPr lang="en-US" dirty="0"/>
+              <a:t>id </a:t>
+            </a:r>
+            <a:r>
+              <a:rPr lang="ru-RU" dirty="0"/>
+              <a:t>владельца</a:t>
+            </a:r>
+          </a:p>
+          <a:p>
+            <a:pPr marL="457200" indent="-457200">
+              <a:buFont typeface="+mj-lt"/>
+              <a:buAutoNum type="arabicPeriod"/>
+            </a:pPr>
+            <a:r>
+              <a:rPr lang="ru-RU" dirty="0"/>
+              <a:t>Смена темы (светлая/тёмная)</a:t>
+            </a:r>
+          </a:p>
+        </p:txBody>
+      </p:sp>
+      <p:pic>
+        <p:nvPicPr>
+          <p:cNvPr id="8" name="Рисунок 7">
+            <a:extLst>
+              <a:ext uri="{FF2B5EF4-FFF2-40B4-BE49-F238E27FC236}">
+                <a16:creationId xmlns:a16="http://schemas.microsoft.com/office/drawing/2014/main" id="{286C93E8-63FB-1A6B-66DF-C264FE854E35}"/>
+              </a:ext>
+            </a:extLst>
+          </p:cNvPr>
+          <p:cNvPicPr>
+            <a:picLocks noChangeAspect="1"/>
+          </p:cNvPicPr>
+          <p:nvPr/>
+        </p:nvPicPr>
+        <p:blipFill>
+          <a:blip r:embed="rId2">
+            <a:extLst>
+              <a:ext uri="{28A0092B-C50C-407E-A947-70E740481C1C}">
+                <a14:useLocalDpi xmlns:a14="http://schemas.microsoft.com/office/drawing/2010/main" val="0"/>
+              </a:ext>
+            </a:extLst>
+          </a:blip>
+          <a:stretch>
+            <a:fillRect/>
+          </a:stretch>
+        </p:blipFill>
+        <p:spPr>
+          <a:xfrm>
+            <a:off x="8674274" y="2512540"/>
+            <a:ext cx="1656043" cy="1926639"/>
+          </a:xfrm>
+          <a:prstGeom prst="rect">
+            <a:avLst/>
+          </a:prstGeom>
+        </p:spPr>
+      </p:pic>
+    </p:spTree>
+    <p:extLst>
+      <p:ext uri="{BB962C8B-B14F-4D97-AF65-F5344CB8AC3E}">
+        <p14:creationId xmlns:p14="http://schemas.microsoft.com/office/powerpoint/2010/main" val="1091637487"/>
       </p:ext>
     </p:extLst>
   </p:cSld>
